--- a/Malefiz.pptx
+++ b/Malefiz.pptx
@@ -6,7 +6,10 @@
   </p:sldMasterIdLst>
   <p:sldIdLst>
     <p:sldId id="258" r:id="rId2"/>
-    <p:sldId id="259" r:id="rId3"/>
+    <p:sldId id="262" r:id="rId3"/>
+    <p:sldId id="261" r:id="rId4"/>
+    <p:sldId id="260" r:id="rId5"/>
+    <p:sldId id="259" r:id="rId6"/>
   </p:sldIdLst>
   <p:sldSz cx="9144000" cy="6858000" type="screen4x3"/>
   <p:notesSz cx="6858000" cy="9144000"/>
@@ -492,7 +495,7 @@
           <a:p>
             <a:fld id="{EC3C865E-F2BC-4D8A-8AA6-663F8C6537D4}" type="datetimeFigureOut">
               <a:rPr lang="de-AT" smtClean="0"/>
-              <a:t>02.05.2016</a:t>
+              <a:t>04.05.2016</a:t>
             </a:fld>
             <a:endParaRPr lang="de-AT"/>
           </a:p>
@@ -657,7 +660,7 @@
           <a:p>
             <a:fld id="{EC3C865E-F2BC-4D8A-8AA6-663F8C6537D4}" type="datetimeFigureOut">
               <a:rPr lang="de-AT" smtClean="0"/>
-              <a:t>02.05.2016</a:t>
+              <a:t>04.05.2016</a:t>
             </a:fld>
             <a:endParaRPr lang="de-AT"/>
           </a:p>
@@ -832,7 +835,7 @@
           <a:p>
             <a:fld id="{EC3C865E-F2BC-4D8A-8AA6-663F8C6537D4}" type="datetimeFigureOut">
               <a:rPr lang="de-AT" smtClean="0"/>
-              <a:t>02.05.2016</a:t>
+              <a:t>04.05.2016</a:t>
             </a:fld>
             <a:endParaRPr lang="de-AT"/>
           </a:p>
@@ -1001,7 +1004,7 @@
           <a:p>
             <a:fld id="{EC3C865E-F2BC-4D8A-8AA6-663F8C6537D4}" type="datetimeFigureOut">
               <a:rPr lang="de-AT" smtClean="0"/>
-              <a:t>02.05.2016</a:t>
+              <a:t>04.05.2016</a:t>
             </a:fld>
             <a:endParaRPr lang="de-AT"/>
           </a:p>
@@ -1456,7 +1459,7 @@
           <a:p>
             <a:fld id="{EC3C865E-F2BC-4D8A-8AA6-663F8C6537D4}" type="datetimeFigureOut">
               <a:rPr lang="de-AT" smtClean="0"/>
-              <a:t>02.05.2016</a:t>
+              <a:t>04.05.2016</a:t>
             </a:fld>
             <a:endParaRPr lang="de-AT"/>
           </a:p>
@@ -1720,7 +1723,7 @@
           <a:p>
             <a:fld id="{EC3C865E-F2BC-4D8A-8AA6-663F8C6537D4}" type="datetimeFigureOut">
               <a:rPr lang="de-AT" smtClean="0"/>
-              <a:t>02.05.2016</a:t>
+              <a:t>04.05.2016</a:t>
             </a:fld>
             <a:endParaRPr lang="de-AT"/>
           </a:p>
@@ -2094,7 +2097,7 @@
           <a:p>
             <a:fld id="{EC3C865E-F2BC-4D8A-8AA6-663F8C6537D4}" type="datetimeFigureOut">
               <a:rPr lang="de-AT" smtClean="0"/>
-              <a:t>02.05.2016</a:t>
+              <a:t>04.05.2016</a:t>
             </a:fld>
             <a:endParaRPr lang="de-AT"/>
           </a:p>
@@ -2216,7 +2219,7 @@
           <a:p>
             <a:fld id="{EC3C865E-F2BC-4D8A-8AA6-663F8C6537D4}" type="datetimeFigureOut">
               <a:rPr lang="de-AT" smtClean="0"/>
-              <a:t>02.05.2016</a:t>
+              <a:t>04.05.2016</a:t>
             </a:fld>
             <a:endParaRPr lang="de-AT"/>
           </a:p>
@@ -2306,7 +2309,7 @@
           <a:p>
             <a:fld id="{EC3C865E-F2BC-4D8A-8AA6-663F8C6537D4}" type="datetimeFigureOut">
               <a:rPr lang="de-AT" smtClean="0"/>
-              <a:t>02.05.2016</a:t>
+              <a:t>04.05.2016</a:t>
             </a:fld>
             <a:endParaRPr lang="de-AT"/>
           </a:p>
@@ -2555,7 +2558,7 @@
           <a:p>
             <a:fld id="{EC3C865E-F2BC-4D8A-8AA6-663F8C6537D4}" type="datetimeFigureOut">
               <a:rPr lang="de-AT" smtClean="0"/>
-              <a:t>02.05.2016</a:t>
+              <a:t>04.05.2016</a:t>
             </a:fld>
             <a:endParaRPr lang="de-AT"/>
           </a:p>
@@ -2814,7 +2817,7 @@
           <a:p>
             <a:fld id="{EC3C865E-F2BC-4D8A-8AA6-663F8C6537D4}" type="datetimeFigureOut">
               <a:rPr lang="de-AT" smtClean="0"/>
-              <a:t>02.05.2016</a:t>
+              <a:t>04.05.2016</a:t>
             </a:fld>
             <a:endParaRPr lang="de-AT"/>
           </a:p>
@@ -3218,7 +3221,7 @@
           <a:p>
             <a:fld id="{EC3C865E-F2BC-4D8A-8AA6-663F8C6537D4}" type="datetimeFigureOut">
               <a:rPr lang="de-AT" smtClean="0"/>
-              <a:t>02.05.2016</a:t>
+              <a:t>04.05.2016</a:t>
             </a:fld>
             <a:endParaRPr lang="de-AT"/>
           </a:p>
@@ -3833,6 +3836,1252 @@
 </file>
 
 <file path=ppt/slides/slide2.xml><?xml version="1.0" encoding="utf-8"?>
+<p:sld xmlns:a="http://schemas.openxmlformats.org/drawingml/2006/main" xmlns:r="http://schemas.openxmlformats.org/officeDocument/2006/relationships" xmlns:p="http://schemas.openxmlformats.org/presentationml/2006/main">
+  <p:cSld>
+    <p:spTree>
+      <p:nvGrpSpPr>
+        <p:cNvPr id="1" name=""/>
+        <p:cNvGrpSpPr/>
+        <p:nvPr/>
+      </p:nvGrpSpPr>
+      <p:grpSpPr>
+        <a:xfrm>
+          <a:off x="0" y="0"/>
+          <a:ext cx="0" cy="0"/>
+          <a:chOff x="0" y="0"/>
+          <a:chExt cx="0" cy="0"/>
+        </a:xfrm>
+      </p:grpSpPr>
+      <p:sp>
+        <p:nvSpPr>
+          <p:cNvPr id="2" name="Titel 1"/>
+          <p:cNvSpPr>
+            <a:spLocks noGrp="1"/>
+          </p:cNvSpPr>
+          <p:nvPr>
+            <p:ph type="title"/>
+          </p:nvPr>
+        </p:nvSpPr>
+        <p:spPr/>
+        <p:txBody>
+          <a:bodyPr/>
+          <a:lstStyle/>
+          <a:p>
+            <a:r>
+              <a:rPr lang="de-AT" dirty="0" smtClean="0"/>
+              <a:t>User Story</a:t>
+            </a:r>
+            <a:endParaRPr lang="de-AT" dirty="0"/>
+          </a:p>
+        </p:txBody>
+      </p:sp>
+      <p:graphicFrame>
+        <p:nvGraphicFramePr>
+          <p:cNvPr id="4" name="Inhaltsplatzhalter 3"/>
+          <p:cNvGraphicFramePr>
+            <a:graphicFrameLocks noGrp="1"/>
+          </p:cNvGraphicFramePr>
+          <p:nvPr>
+            <p:ph idx="1"/>
+            <p:extLst>
+              <p:ext uri="{D42A27DB-BD31-4B8C-83A1-F6EECF244321}">
+                <p14:modId xmlns:p14="http://schemas.microsoft.com/office/powerpoint/2010/main" val="3323542038"/>
+              </p:ext>
+            </p:extLst>
+          </p:nvPr>
+        </p:nvGraphicFramePr>
+        <p:xfrm>
+          <a:off x="1115616" y="1412776"/>
+          <a:ext cx="6840760" cy="4556973"/>
+        </p:xfrm>
+        <a:graphic>
+          <a:graphicData uri="http://schemas.openxmlformats.org/drawingml/2006/table">
+            <a:tbl>
+              <a:tblPr firstRow="1" bandRow="1">
+                <a:tableStyleId>{B301B821-A1FF-4177-AEE7-76D212191A09}</a:tableStyleId>
+              </a:tblPr>
+              <a:tblGrid>
+                <a:gridCol w="5832648"/>
+                <a:gridCol w="1008112"/>
+              </a:tblGrid>
+              <a:tr h="538255">
+                <a:tc>
+                  <a:txBody>
+                    <a:bodyPr/>
+                    <a:lstStyle/>
+                    <a:p>
+                      <a:pPr algn="ctr" fontAlgn="b"/>
+                      <a:r>
+                        <a:rPr lang="de-AT" sz="1600" u="none" strike="noStrike" dirty="0" smtClean="0">
+                          <a:effectLst/>
+                        </a:rPr>
+                        <a:t>Beschreibung</a:t>
+                      </a:r>
+                      <a:endParaRPr lang="de-AT" sz="1600" b="0" i="0" u="none" strike="noStrike" dirty="0">
+                        <a:solidFill>
+                          <a:srgbClr val="000000"/>
+                        </a:solidFill>
+                        <a:effectLst/>
+                        <a:latin typeface="Calibri"/>
+                      </a:endParaRPr>
+                    </a:p>
+                  </a:txBody>
+                  <a:tcPr marL="9525" marR="9525" marT="9525" marB="0" anchor="ctr"/>
+                </a:tc>
+                <a:tc>
+                  <a:txBody>
+                    <a:bodyPr/>
+                    <a:lstStyle/>
+                    <a:p>
+                      <a:pPr algn="l" fontAlgn="b"/>
+                      <a:r>
+                        <a:rPr lang="de-AT" sz="1600" u="none" strike="noStrike" dirty="0" smtClean="0">
+                          <a:effectLst/>
+                        </a:rPr>
+                        <a:t>Story</a:t>
+                      </a:r>
+                      <a:r>
+                        <a:rPr lang="de-AT" sz="1600" u="none" strike="noStrike" baseline="0" dirty="0" smtClean="0">
+                          <a:effectLst/>
+                        </a:rPr>
+                        <a:t> Points</a:t>
+                      </a:r>
+                      <a:endParaRPr lang="de-AT" sz="1600" b="0" i="0" u="none" strike="noStrike" dirty="0">
+                        <a:solidFill>
+                          <a:srgbClr val="000000"/>
+                        </a:solidFill>
+                        <a:effectLst/>
+                        <a:latin typeface="Calibri"/>
+                      </a:endParaRPr>
+                    </a:p>
+                  </a:txBody>
+                  <a:tcPr marL="9525" marR="9525" marT="9525" marB="0" anchor="ctr"/>
+                </a:tc>
+              </a:tr>
+              <a:tr h="538255">
+                <a:tc>
+                  <a:txBody>
+                    <a:bodyPr/>
+                    <a:lstStyle/>
+                    <a:p>
+                      <a:pPr algn="l" fontAlgn="b"/>
+                      <a:r>
+                        <a:rPr lang="de-AT" sz="1400" u="none" strike="noStrike" dirty="0">
+                          <a:effectLst/>
+                        </a:rPr>
+                        <a:t>Als Spieler will ich ein neues Spiel beginnen </a:t>
+                      </a:r>
+                      <a:r>
+                        <a:rPr lang="de-AT" sz="1400" u="none" strike="noStrike" dirty="0" smtClean="0">
+                          <a:effectLst/>
+                        </a:rPr>
+                        <a:t>können.</a:t>
+                      </a:r>
+                      <a:endParaRPr lang="de-AT" sz="1400" b="0" i="0" u="none" strike="noStrike" dirty="0">
+                        <a:solidFill>
+                          <a:srgbClr val="000000"/>
+                        </a:solidFill>
+                        <a:effectLst/>
+                        <a:latin typeface="Calibri"/>
+                      </a:endParaRPr>
+                    </a:p>
+                  </a:txBody>
+                  <a:tcPr marL="9525" marR="9525" marT="9525" marB="0" anchor="ctr"/>
+                </a:tc>
+                <a:tc>
+                  <a:txBody>
+                    <a:bodyPr/>
+                    <a:lstStyle/>
+                    <a:p>
+                      <a:pPr algn="ctr" fontAlgn="b"/>
+                      <a:r>
+                        <a:rPr lang="de-AT" sz="1400" u="none" strike="noStrike" dirty="0">
+                          <a:effectLst/>
+                        </a:rPr>
+                        <a:t>3</a:t>
+                      </a:r>
+                      <a:endParaRPr lang="de-AT" sz="1400" b="0" i="0" u="none" strike="noStrike" dirty="0">
+                        <a:solidFill>
+                          <a:srgbClr val="000000"/>
+                        </a:solidFill>
+                        <a:effectLst/>
+                        <a:latin typeface="Calibri"/>
+                      </a:endParaRPr>
+                    </a:p>
+                  </a:txBody>
+                  <a:tcPr marL="9525" marR="9525" marT="9525" marB="0" anchor="ctr"/>
+                </a:tc>
+              </a:tr>
+              <a:tr h="400189">
+                <a:tc>
+                  <a:txBody>
+                    <a:bodyPr/>
+                    <a:lstStyle/>
+                    <a:p>
+                      <a:pPr algn="l" fontAlgn="b"/>
+                      <a:r>
+                        <a:rPr lang="de-AT" sz="1400" u="none" strike="noStrike" dirty="0">
+                          <a:effectLst/>
+                        </a:rPr>
+                        <a:t>Als Spieler will ich mit anderen Spielern gemeinsam spielen können</a:t>
+                      </a:r>
+                      <a:r>
+                        <a:rPr lang="de-AT" sz="1400" u="none" strike="noStrike" dirty="0" smtClean="0">
+                          <a:effectLst/>
+                        </a:rPr>
+                        <a:t>.</a:t>
+                      </a:r>
+                      <a:endParaRPr lang="de-AT" sz="1400" b="0" i="0" u="none" strike="noStrike" dirty="0">
+                        <a:solidFill>
+                          <a:srgbClr val="000000"/>
+                        </a:solidFill>
+                        <a:effectLst/>
+                        <a:latin typeface="Calibri"/>
+                      </a:endParaRPr>
+                    </a:p>
+                  </a:txBody>
+                  <a:tcPr marL="9525" marR="9525" marT="9525" marB="0" anchor="ctr"/>
+                </a:tc>
+                <a:tc>
+                  <a:txBody>
+                    <a:bodyPr/>
+                    <a:lstStyle/>
+                    <a:p>
+                      <a:pPr algn="ctr" fontAlgn="b"/>
+                      <a:r>
+                        <a:rPr lang="de-AT" sz="1400" u="none" strike="noStrike">
+                          <a:effectLst/>
+                        </a:rPr>
+                        <a:t>20</a:t>
+                      </a:r>
+                      <a:endParaRPr lang="de-AT" sz="1400" b="0" i="0" u="none" strike="noStrike">
+                        <a:solidFill>
+                          <a:srgbClr val="000000"/>
+                        </a:solidFill>
+                        <a:effectLst/>
+                        <a:latin typeface="Calibri"/>
+                      </a:endParaRPr>
+                    </a:p>
+                  </a:txBody>
+                  <a:tcPr marL="9525" marR="9525" marT="9525" marB="0" anchor="ctr"/>
+                </a:tc>
+              </a:tr>
+              <a:tr h="400189">
+                <a:tc>
+                  <a:txBody>
+                    <a:bodyPr/>
+                    <a:lstStyle/>
+                    <a:p>
+                      <a:pPr algn="l" fontAlgn="b"/>
+                      <a:r>
+                        <a:rPr lang="de-AT" sz="1400" u="none" strike="noStrike" dirty="0">
+                          <a:effectLst/>
+                        </a:rPr>
+                        <a:t>Als Spieler will ich meine Spielfiguren wählen können</a:t>
+                      </a:r>
+                      <a:r>
+                        <a:rPr lang="de-AT" sz="1400" u="none" strike="noStrike" dirty="0" smtClean="0">
+                          <a:effectLst/>
+                        </a:rPr>
+                        <a:t>.</a:t>
+                      </a:r>
+                      <a:endParaRPr lang="de-AT" sz="1400" b="0" i="0" u="none" strike="noStrike" dirty="0">
+                        <a:solidFill>
+                          <a:srgbClr val="000000"/>
+                        </a:solidFill>
+                        <a:effectLst/>
+                        <a:latin typeface="Calibri"/>
+                      </a:endParaRPr>
+                    </a:p>
+                  </a:txBody>
+                  <a:tcPr marL="9525" marR="9525" marT="9525" marB="0" anchor="ctr"/>
+                </a:tc>
+                <a:tc>
+                  <a:txBody>
+                    <a:bodyPr/>
+                    <a:lstStyle/>
+                    <a:p>
+                      <a:pPr algn="ctr" fontAlgn="b"/>
+                      <a:r>
+                        <a:rPr lang="de-AT" sz="1400" u="none" strike="noStrike">
+                          <a:effectLst/>
+                        </a:rPr>
+                        <a:t>3</a:t>
+                      </a:r>
+                      <a:endParaRPr lang="de-AT" sz="1400" b="0" i="0" u="none" strike="noStrike">
+                        <a:solidFill>
+                          <a:srgbClr val="000000"/>
+                        </a:solidFill>
+                        <a:effectLst/>
+                        <a:latin typeface="Calibri"/>
+                      </a:endParaRPr>
+                    </a:p>
+                  </a:txBody>
+                  <a:tcPr marL="9525" marR="9525" marT="9525" marB="0" anchor="ctr"/>
+                </a:tc>
+              </a:tr>
+              <a:tr h="400189">
+                <a:tc>
+                  <a:txBody>
+                    <a:bodyPr/>
+                    <a:lstStyle/>
+                    <a:p>
+                      <a:pPr algn="l" fontAlgn="b"/>
+                      <a:r>
+                        <a:rPr lang="de-AT" sz="1400" u="none" strike="noStrike" dirty="0">
+                          <a:effectLst/>
+                        </a:rPr>
+                        <a:t>Als Spieler will ich würfeln und meine Spielfiguren bewegen können</a:t>
+                      </a:r>
+                      <a:r>
+                        <a:rPr lang="de-AT" sz="1400" u="none" strike="noStrike" dirty="0" smtClean="0">
+                          <a:effectLst/>
+                        </a:rPr>
+                        <a:t>.</a:t>
+                      </a:r>
+                      <a:endParaRPr lang="de-AT" sz="1400" b="0" i="0" u="none" strike="noStrike" dirty="0">
+                        <a:solidFill>
+                          <a:srgbClr val="000000"/>
+                        </a:solidFill>
+                        <a:effectLst/>
+                        <a:latin typeface="Calibri"/>
+                      </a:endParaRPr>
+                    </a:p>
+                  </a:txBody>
+                  <a:tcPr marL="9525" marR="9525" marT="9525" marB="0" anchor="ctr"/>
+                </a:tc>
+                <a:tc>
+                  <a:txBody>
+                    <a:bodyPr/>
+                    <a:lstStyle/>
+                    <a:p>
+                      <a:pPr algn="ctr" fontAlgn="b"/>
+                      <a:r>
+                        <a:rPr lang="de-AT" sz="1400" u="none" strike="noStrike">
+                          <a:effectLst/>
+                        </a:rPr>
+                        <a:t>8</a:t>
+                      </a:r>
+                      <a:endParaRPr lang="de-AT" sz="1400" b="0" i="0" u="none" strike="noStrike">
+                        <a:solidFill>
+                          <a:srgbClr val="000000"/>
+                        </a:solidFill>
+                        <a:effectLst/>
+                        <a:latin typeface="Calibri"/>
+                      </a:endParaRPr>
+                    </a:p>
+                  </a:txBody>
+                  <a:tcPr marL="9525" marR="9525" marT="9525" marB="0" anchor="ctr"/>
+                </a:tc>
+              </a:tr>
+              <a:tr h="400189">
+                <a:tc>
+                  <a:txBody>
+                    <a:bodyPr/>
+                    <a:lstStyle/>
+                    <a:p>
+                      <a:pPr algn="l" fontAlgn="b"/>
+                      <a:r>
+                        <a:rPr lang="de-AT" sz="1400" u="none" strike="noStrike" dirty="0">
+                          <a:effectLst/>
+                        </a:rPr>
+                        <a:t>Als Spieler will ich einen Stein bewegen können, wenn ich auf dessen </a:t>
+                      </a:r>
+                      <a:r>
+                        <a:rPr lang="de-AT" sz="1400" u="none" strike="noStrike" dirty="0" smtClean="0">
+                          <a:effectLst/>
+                        </a:rPr>
+                        <a:t>Feld </a:t>
+                      </a:r>
+                      <a:r>
+                        <a:rPr lang="de-AT" sz="1400" u="none" strike="noStrike" dirty="0">
+                          <a:effectLst/>
+                        </a:rPr>
+                        <a:t>ziehe.</a:t>
+                      </a:r>
+                      <a:endParaRPr lang="de-AT" sz="1400" b="0" i="0" u="none" strike="noStrike" dirty="0">
+                        <a:solidFill>
+                          <a:srgbClr val="000000"/>
+                        </a:solidFill>
+                        <a:effectLst/>
+                        <a:latin typeface="Calibri"/>
+                      </a:endParaRPr>
+                    </a:p>
+                  </a:txBody>
+                  <a:tcPr marL="9525" marR="9525" marT="9525" marB="0" anchor="ctr"/>
+                </a:tc>
+                <a:tc>
+                  <a:txBody>
+                    <a:bodyPr/>
+                    <a:lstStyle/>
+                    <a:p>
+                      <a:pPr algn="ctr" fontAlgn="b"/>
+                      <a:r>
+                        <a:rPr lang="de-AT" sz="1400" u="none" strike="noStrike">
+                          <a:effectLst/>
+                        </a:rPr>
+                        <a:t>2</a:t>
+                      </a:r>
+                      <a:endParaRPr lang="de-AT" sz="1400" b="0" i="0" u="none" strike="noStrike">
+                        <a:solidFill>
+                          <a:srgbClr val="000000"/>
+                        </a:solidFill>
+                        <a:effectLst/>
+                        <a:latin typeface="Calibri"/>
+                      </a:endParaRPr>
+                    </a:p>
+                  </a:txBody>
+                  <a:tcPr marL="9525" marR="9525" marT="9525" marB="0" anchor="ctr"/>
+                </a:tc>
+              </a:tr>
+              <a:tr h="400189">
+                <a:tc>
+                  <a:txBody>
+                    <a:bodyPr/>
+                    <a:lstStyle/>
+                    <a:p>
+                      <a:pPr algn="l" fontAlgn="b"/>
+                      <a:r>
+                        <a:rPr lang="de-AT" sz="1400" u="none" strike="noStrike" dirty="0">
+                          <a:effectLst/>
+                        </a:rPr>
+                        <a:t>Als Spieler will ich gewinnen, wenn meine Spielfigur das </a:t>
+                      </a:r>
+                      <a:r>
+                        <a:rPr lang="de-AT" sz="1400" u="none" strike="noStrike" dirty="0" err="1">
+                          <a:effectLst/>
+                        </a:rPr>
+                        <a:t>Zielfeld</a:t>
+                      </a:r>
+                      <a:r>
+                        <a:rPr lang="de-AT" sz="1400" u="none" strike="noStrike" dirty="0">
+                          <a:effectLst/>
+                        </a:rPr>
+                        <a:t> erreicht</a:t>
+                      </a:r>
+                      <a:r>
+                        <a:rPr lang="de-AT" sz="1400" u="none" strike="noStrike" dirty="0" smtClean="0">
+                          <a:effectLst/>
+                        </a:rPr>
+                        <a:t>.</a:t>
+                      </a:r>
+                      <a:endParaRPr lang="de-AT" sz="1400" b="0" i="0" u="none" strike="noStrike" dirty="0">
+                        <a:solidFill>
+                          <a:srgbClr val="000000"/>
+                        </a:solidFill>
+                        <a:effectLst/>
+                        <a:latin typeface="Calibri"/>
+                      </a:endParaRPr>
+                    </a:p>
+                  </a:txBody>
+                  <a:tcPr marL="9525" marR="9525" marT="9525" marB="0" anchor="ctr"/>
+                </a:tc>
+                <a:tc>
+                  <a:txBody>
+                    <a:bodyPr/>
+                    <a:lstStyle/>
+                    <a:p>
+                      <a:pPr algn="ctr" fontAlgn="b"/>
+                      <a:r>
+                        <a:rPr lang="de-AT" sz="1400" u="none" strike="noStrike" dirty="0">
+                          <a:effectLst/>
+                        </a:rPr>
+                        <a:t>2</a:t>
+                      </a:r>
+                      <a:endParaRPr lang="de-AT" sz="1400" b="0" i="0" u="none" strike="noStrike" dirty="0">
+                        <a:solidFill>
+                          <a:srgbClr val="000000"/>
+                        </a:solidFill>
+                        <a:effectLst/>
+                        <a:latin typeface="Calibri"/>
+                      </a:endParaRPr>
+                    </a:p>
+                  </a:txBody>
+                  <a:tcPr marL="9525" marR="9525" marT="9525" marB="0" anchor="ctr"/>
+                </a:tc>
+              </a:tr>
+              <a:tr h="200661">
+                <a:tc>
+                  <a:txBody>
+                    <a:bodyPr/>
+                    <a:lstStyle/>
+                    <a:p>
+                      <a:pPr algn="l" fontAlgn="b"/>
+                      <a:r>
+                        <a:rPr lang="de-AT" sz="1400" u="none" strike="noStrike" dirty="0">
+                          <a:effectLst/>
+                        </a:rPr>
+                        <a:t>Als Spieler will ich Schummeln können</a:t>
+                      </a:r>
+                      <a:r>
+                        <a:rPr lang="de-AT" sz="1400" u="none" strike="noStrike" dirty="0" smtClean="0">
+                          <a:effectLst/>
+                        </a:rPr>
+                        <a:t>.</a:t>
+                      </a:r>
+                      <a:endParaRPr lang="de-AT" sz="1400" b="0" i="0" u="none" strike="noStrike" dirty="0">
+                        <a:solidFill>
+                          <a:srgbClr val="000000"/>
+                        </a:solidFill>
+                        <a:effectLst/>
+                        <a:latin typeface="Calibri"/>
+                      </a:endParaRPr>
+                    </a:p>
+                  </a:txBody>
+                  <a:tcPr marL="9525" marR="9525" marT="9525" marB="0" anchor="ctr"/>
+                </a:tc>
+                <a:tc>
+                  <a:txBody>
+                    <a:bodyPr/>
+                    <a:lstStyle/>
+                    <a:p>
+                      <a:pPr algn="ctr" fontAlgn="b"/>
+                      <a:r>
+                        <a:rPr lang="de-AT" sz="1400" u="none" strike="noStrike" dirty="0">
+                          <a:effectLst/>
+                        </a:rPr>
+                        <a:t>5</a:t>
+                      </a:r>
+                      <a:endParaRPr lang="de-AT" sz="1400" b="0" i="0" u="none" strike="noStrike" dirty="0">
+                        <a:solidFill>
+                          <a:srgbClr val="000000"/>
+                        </a:solidFill>
+                        <a:effectLst/>
+                        <a:latin typeface="Calibri"/>
+                      </a:endParaRPr>
+                    </a:p>
+                  </a:txBody>
+                  <a:tcPr marL="9525" marR="9525" marT="9525" marB="0" anchor="ctr"/>
+                </a:tc>
+              </a:tr>
+              <a:tr h="400189">
+                <a:tc>
+                  <a:txBody>
+                    <a:bodyPr/>
+                    <a:lstStyle/>
+                    <a:p>
+                      <a:pPr algn="l" fontAlgn="b"/>
+                      <a:r>
+                        <a:rPr lang="de-AT" sz="1400" u="none" strike="noStrike" dirty="0">
+                          <a:effectLst/>
+                        </a:rPr>
+                        <a:t>Als User sollen mir die Regeln klar ersichtlich sein</a:t>
+                      </a:r>
+                      <a:r>
+                        <a:rPr lang="de-AT" sz="1400" u="none" strike="noStrike" dirty="0" smtClean="0">
+                          <a:effectLst/>
+                        </a:rPr>
+                        <a:t>.</a:t>
+                      </a:r>
+                      <a:endParaRPr lang="de-AT" sz="1400" b="0" i="0" u="none" strike="noStrike" dirty="0">
+                        <a:solidFill>
+                          <a:srgbClr val="000000"/>
+                        </a:solidFill>
+                        <a:effectLst/>
+                        <a:latin typeface="Calibri"/>
+                      </a:endParaRPr>
+                    </a:p>
+                  </a:txBody>
+                  <a:tcPr marL="9525" marR="9525" marT="9525" marB="0" anchor="ctr"/>
+                </a:tc>
+                <a:tc>
+                  <a:txBody>
+                    <a:bodyPr/>
+                    <a:lstStyle/>
+                    <a:p>
+                      <a:pPr algn="ctr" fontAlgn="b"/>
+                      <a:r>
+                        <a:rPr lang="de-AT" sz="1400" u="none" strike="noStrike" dirty="0">
+                          <a:effectLst/>
+                        </a:rPr>
+                        <a:t>1</a:t>
+                      </a:r>
+                      <a:endParaRPr lang="de-AT" sz="1400" b="0" i="0" u="none" strike="noStrike" dirty="0">
+                        <a:solidFill>
+                          <a:srgbClr val="000000"/>
+                        </a:solidFill>
+                        <a:effectLst/>
+                        <a:latin typeface="Calibri"/>
+                      </a:endParaRPr>
+                    </a:p>
+                  </a:txBody>
+                  <a:tcPr marL="9525" marR="9525" marT="9525" marB="0" anchor="ctr"/>
+                </a:tc>
+              </a:tr>
+              <a:tr h="410194">
+                <a:tc>
+                  <a:txBody>
+                    <a:bodyPr/>
+                    <a:lstStyle/>
+                    <a:p>
+                      <a:pPr algn="l" fontAlgn="b"/>
+                      <a:r>
+                        <a:rPr lang="de-AT" sz="1400" u="none" strike="noStrike" dirty="0">
+                          <a:effectLst/>
+                        </a:rPr>
+                        <a:t>Als User möchte ich ein interaktives Spielbrett</a:t>
+                      </a:r>
+                      <a:r>
+                        <a:rPr lang="de-AT" sz="1400" u="none" strike="noStrike" dirty="0" smtClean="0">
+                          <a:effectLst/>
+                        </a:rPr>
+                        <a:t>.</a:t>
+                      </a:r>
+                      <a:endParaRPr lang="de-AT" sz="1400" b="0" i="0" u="none" strike="noStrike" dirty="0">
+                        <a:solidFill>
+                          <a:srgbClr val="000000"/>
+                        </a:solidFill>
+                        <a:effectLst/>
+                        <a:latin typeface="Calibri"/>
+                      </a:endParaRPr>
+                    </a:p>
+                  </a:txBody>
+                  <a:tcPr marL="9525" marR="9525" marT="9525" marB="0" anchor="ctr"/>
+                </a:tc>
+                <a:tc>
+                  <a:txBody>
+                    <a:bodyPr/>
+                    <a:lstStyle/>
+                    <a:p>
+                      <a:pPr algn="ctr" fontAlgn="b"/>
+                      <a:r>
+                        <a:rPr lang="de-AT" sz="1400" u="none" strike="noStrike" dirty="0">
+                          <a:effectLst/>
+                        </a:rPr>
+                        <a:t>5</a:t>
+                      </a:r>
+                      <a:endParaRPr lang="de-AT" sz="1400" b="0" i="0" u="none" strike="noStrike" dirty="0">
+                        <a:solidFill>
+                          <a:srgbClr val="000000"/>
+                        </a:solidFill>
+                        <a:effectLst/>
+                        <a:latin typeface="Calibri"/>
+                      </a:endParaRPr>
+                    </a:p>
+                  </a:txBody>
+                  <a:tcPr marL="9525" marR="9525" marT="9525" marB="0" anchor="ctr"/>
+                </a:tc>
+              </a:tr>
+              <a:tr h="410194">
+                <a:tc>
+                  <a:txBody>
+                    <a:bodyPr/>
+                    <a:lstStyle/>
+                    <a:p>
+                      <a:pPr algn="l" fontAlgn="b"/>
+                      <a:r>
+                        <a:rPr lang="de-AT" sz="1600" b="1" u="none" strike="noStrike" dirty="0" smtClean="0">
+                          <a:effectLst/>
+                        </a:rPr>
+                        <a:t>Insgesamt</a:t>
+                      </a:r>
+                      <a:endParaRPr lang="de-AT" sz="1600" b="1" i="0" u="none" strike="noStrike" dirty="0">
+                        <a:solidFill>
+                          <a:srgbClr val="000000"/>
+                        </a:solidFill>
+                        <a:effectLst/>
+                        <a:latin typeface="Calibri"/>
+                      </a:endParaRPr>
+                    </a:p>
+                  </a:txBody>
+                  <a:tcPr marL="9525" marR="9525" marT="9525" marB="0" anchor="ctr"/>
+                </a:tc>
+                <a:tc>
+                  <a:txBody>
+                    <a:bodyPr/>
+                    <a:lstStyle/>
+                    <a:p>
+                      <a:pPr algn="ctr" fontAlgn="b"/>
+                      <a:r>
+                        <a:rPr lang="de-AT" sz="1600" b="1" u="none" strike="noStrike" dirty="0" smtClean="0">
+                          <a:effectLst/>
+                        </a:rPr>
+                        <a:t>49</a:t>
+                      </a:r>
+                      <a:endParaRPr lang="de-AT" sz="1600" b="1" i="0" u="none" strike="noStrike" dirty="0">
+                        <a:solidFill>
+                          <a:srgbClr val="000000"/>
+                        </a:solidFill>
+                        <a:effectLst/>
+                        <a:latin typeface="Calibri"/>
+                      </a:endParaRPr>
+                    </a:p>
+                  </a:txBody>
+                  <a:tcPr marL="9525" marR="9525" marT="9525" marB="0" anchor="ctr"/>
+                </a:tc>
+              </a:tr>
+            </a:tbl>
+          </a:graphicData>
+        </a:graphic>
+      </p:graphicFrame>
+    </p:spTree>
+    <p:extLst>
+      <p:ext uri="{BB962C8B-B14F-4D97-AF65-F5344CB8AC3E}">
+        <p14:creationId xmlns:p14="http://schemas.microsoft.com/office/powerpoint/2010/main" val="3551902774"/>
+      </p:ext>
+    </p:extLst>
+  </p:cSld>
+  <p:clrMapOvr>
+    <a:masterClrMapping/>
+  </p:clrMapOvr>
+</p:sld>
+</file>
+
+<file path=ppt/slides/slide3.xml><?xml version="1.0" encoding="utf-8"?>
+<p:sld xmlns:a="http://schemas.openxmlformats.org/drawingml/2006/main" xmlns:r="http://schemas.openxmlformats.org/officeDocument/2006/relationships" xmlns:p="http://schemas.openxmlformats.org/presentationml/2006/main">
+  <p:cSld>
+    <p:spTree>
+      <p:nvGrpSpPr>
+        <p:cNvPr id="1" name=""/>
+        <p:cNvGrpSpPr/>
+        <p:nvPr/>
+      </p:nvGrpSpPr>
+      <p:grpSpPr>
+        <a:xfrm>
+          <a:off x="0" y="0"/>
+          <a:ext cx="0" cy="0"/>
+          <a:chOff x="0" y="0"/>
+          <a:chExt cx="0" cy="0"/>
+        </a:xfrm>
+      </p:grpSpPr>
+      <p:sp>
+        <p:nvSpPr>
+          <p:cNvPr id="2" name="Titel 1"/>
+          <p:cNvSpPr>
+            <a:spLocks noGrp="1"/>
+          </p:cNvSpPr>
+          <p:nvPr>
+            <p:ph type="title"/>
+          </p:nvPr>
+        </p:nvSpPr>
+        <p:spPr/>
+        <p:txBody>
+          <a:bodyPr/>
+          <a:lstStyle/>
+          <a:p>
+            <a:r>
+              <a:rPr lang="de-AT" dirty="0" smtClean="0"/>
+              <a:t>1 Sprint</a:t>
+            </a:r>
+            <a:endParaRPr lang="de-AT" dirty="0"/>
+          </a:p>
+        </p:txBody>
+      </p:sp>
+      <p:graphicFrame>
+        <p:nvGraphicFramePr>
+          <p:cNvPr id="4" name="Inhaltsplatzhalter 3"/>
+          <p:cNvGraphicFramePr>
+            <a:graphicFrameLocks noGrp="1"/>
+          </p:cNvGraphicFramePr>
+          <p:nvPr>
+            <p:ph idx="1"/>
+            <p:extLst>
+              <p:ext uri="{D42A27DB-BD31-4B8C-83A1-F6EECF244321}">
+                <p14:modId xmlns:p14="http://schemas.microsoft.com/office/powerpoint/2010/main" val="2472665799"/>
+              </p:ext>
+            </p:extLst>
+          </p:nvPr>
+        </p:nvGraphicFramePr>
+        <p:xfrm>
+          <a:off x="395536" y="1700808"/>
+          <a:ext cx="8208913" cy="3811488"/>
+        </p:xfrm>
+        <a:graphic>
+          <a:graphicData uri="http://schemas.openxmlformats.org/drawingml/2006/table">
+            <a:tbl>
+              <a:tblPr firstRow="1" bandRow="1">
+                <a:tableStyleId>{B301B821-A1FF-4177-AEE7-76D212191A09}</a:tableStyleId>
+              </a:tblPr>
+              <a:tblGrid>
+                <a:gridCol w="5111814"/>
+                <a:gridCol w="1284483"/>
+                <a:gridCol w="1812616"/>
+              </a:tblGrid>
+              <a:tr h="635248">
+                <a:tc>
+                  <a:txBody>
+                    <a:bodyPr/>
+                    <a:lstStyle/>
+                    <a:p>
+                      <a:pPr algn="ctr" fontAlgn="b"/>
+                      <a:r>
+                        <a:rPr lang="de-AT" sz="1700" u="none" strike="noStrike" dirty="0" smtClean="0">
+                          <a:effectLst/>
+                        </a:rPr>
+                        <a:t>User</a:t>
+                      </a:r>
+                      <a:r>
+                        <a:rPr lang="de-AT" sz="1700" u="none" strike="noStrike" baseline="0" dirty="0" smtClean="0">
+                          <a:effectLst/>
+                        </a:rPr>
+                        <a:t> Story</a:t>
+                      </a:r>
+                      <a:endParaRPr lang="de-AT" sz="1700" b="1" i="0" u="none" strike="noStrike" dirty="0">
+                        <a:solidFill>
+                          <a:srgbClr val="000000"/>
+                        </a:solidFill>
+                        <a:effectLst/>
+                        <a:latin typeface="Calibri"/>
+                      </a:endParaRPr>
+                    </a:p>
+                  </a:txBody>
+                  <a:tcPr marL="9525" marR="9525" marT="9525" marB="0" anchor="ctr"/>
+                </a:tc>
+                <a:tc>
+                  <a:txBody>
+                    <a:bodyPr/>
+                    <a:lstStyle/>
+                    <a:p>
+                      <a:pPr algn="ctr"/>
+                      <a:r>
+                        <a:rPr lang="de-AT" sz="1700" dirty="0" smtClean="0"/>
+                        <a:t>Geschafft</a:t>
+                      </a:r>
+                      <a:endParaRPr lang="de-AT" sz="1700" b="1" dirty="0"/>
+                    </a:p>
+                  </a:txBody>
+                  <a:tcPr anchor="ctr"/>
+                </a:tc>
+                <a:tc>
+                  <a:txBody>
+                    <a:bodyPr/>
+                    <a:lstStyle/>
+                    <a:p>
+                      <a:pPr algn="ctr"/>
+                      <a:r>
+                        <a:rPr lang="de-AT" sz="1700" dirty="0" smtClean="0"/>
+                        <a:t>Nicht geschafft</a:t>
+                      </a:r>
+                      <a:endParaRPr lang="de-AT" sz="1700" b="1" dirty="0"/>
+                    </a:p>
+                  </a:txBody>
+                  <a:tcPr anchor="ctr"/>
+                </a:tc>
+              </a:tr>
+              <a:tr h="635248">
+                <a:tc>
+                  <a:txBody>
+                    <a:bodyPr/>
+                    <a:lstStyle/>
+                    <a:p>
+                      <a:pPr algn="l" fontAlgn="b"/>
+                      <a:r>
+                        <a:rPr lang="de-AT" sz="1400" u="none" strike="noStrike" dirty="0">
+                          <a:effectLst/>
+                        </a:rPr>
+                        <a:t>Als Spieler will ich ein neues Spiel beginnen </a:t>
+                      </a:r>
+                      <a:br>
+                        <a:rPr lang="de-AT" sz="1400" u="none" strike="noStrike" dirty="0">
+                          <a:effectLst/>
+                        </a:rPr>
+                      </a:br>
+                      <a:r>
+                        <a:rPr lang="de-AT" sz="1400" u="none" strike="noStrike" dirty="0">
+                          <a:effectLst/>
+                        </a:rPr>
+                        <a:t>können.</a:t>
+                      </a:r>
+                      <a:endParaRPr lang="de-AT" sz="1400" b="1" i="0" u="none" strike="noStrike" dirty="0">
+                        <a:solidFill>
+                          <a:srgbClr val="000000"/>
+                        </a:solidFill>
+                        <a:effectLst/>
+                        <a:latin typeface="Calibri"/>
+                      </a:endParaRPr>
+                    </a:p>
+                  </a:txBody>
+                  <a:tcPr marL="9525" marR="9525" marT="9525" marB="0" anchor="ctr"/>
+                </a:tc>
+                <a:tc>
+                  <a:txBody>
+                    <a:bodyPr/>
+                    <a:lstStyle/>
+                    <a:p>
+                      <a:pPr algn="ctr"/>
+                      <a:r>
+                        <a:rPr lang="de-AT" sz="1400" dirty="0" smtClean="0"/>
+                        <a:t>3</a:t>
+                      </a:r>
+                      <a:endParaRPr lang="de-AT" sz="1400" b="1" dirty="0"/>
+                    </a:p>
+                  </a:txBody>
+                  <a:tcPr anchor="ctr"/>
+                </a:tc>
+                <a:tc>
+                  <a:txBody>
+                    <a:bodyPr/>
+                    <a:lstStyle/>
+                    <a:p>
+                      <a:pPr algn="ctr"/>
+                      <a:endParaRPr lang="de-AT" sz="1400" b="1" dirty="0"/>
+                    </a:p>
+                  </a:txBody>
+                  <a:tcPr anchor="ctr"/>
+                </a:tc>
+              </a:tr>
+              <a:tr h="635248">
+                <a:tc>
+                  <a:txBody>
+                    <a:bodyPr/>
+                    <a:lstStyle/>
+                    <a:p>
+                      <a:pPr algn="l" fontAlgn="b"/>
+                      <a:r>
+                        <a:rPr lang="de-AT" sz="1400" u="none" strike="noStrike" dirty="0">
+                          <a:effectLst/>
+                        </a:rPr>
+                        <a:t>Als Spieler will ich meine Spielfiguren wählen können.</a:t>
+                      </a:r>
+                      <a:endParaRPr lang="de-AT" sz="1400" b="1" i="0" u="none" strike="noStrike" dirty="0">
+                        <a:solidFill>
+                          <a:srgbClr val="000000"/>
+                        </a:solidFill>
+                        <a:effectLst/>
+                        <a:latin typeface="Calibri"/>
+                      </a:endParaRPr>
+                    </a:p>
+                  </a:txBody>
+                  <a:tcPr marL="9525" marR="9525" marT="9525" marB="0" anchor="ctr"/>
+                </a:tc>
+                <a:tc>
+                  <a:txBody>
+                    <a:bodyPr/>
+                    <a:lstStyle/>
+                    <a:p>
+                      <a:pPr algn="ctr"/>
+                      <a:r>
+                        <a:rPr lang="de-AT" sz="1400" dirty="0" smtClean="0"/>
+                        <a:t>3</a:t>
+                      </a:r>
+                      <a:endParaRPr lang="de-AT" sz="1400" b="1" dirty="0"/>
+                    </a:p>
+                  </a:txBody>
+                  <a:tcPr anchor="ctr"/>
+                </a:tc>
+                <a:tc>
+                  <a:txBody>
+                    <a:bodyPr/>
+                    <a:lstStyle/>
+                    <a:p>
+                      <a:pPr algn="ctr"/>
+                      <a:endParaRPr lang="de-AT" sz="1400" b="1" dirty="0"/>
+                    </a:p>
+                  </a:txBody>
+                  <a:tcPr anchor="ctr"/>
+                </a:tc>
+              </a:tr>
+              <a:tr h="635248">
+                <a:tc>
+                  <a:txBody>
+                    <a:bodyPr/>
+                    <a:lstStyle/>
+                    <a:p>
+                      <a:pPr algn="l" fontAlgn="b"/>
+                      <a:r>
+                        <a:rPr lang="de-AT" sz="1400" u="none" strike="noStrike" dirty="0">
+                          <a:effectLst/>
+                        </a:rPr>
+                        <a:t>Als Spieler will ich würfeln und meine Spielfiguren bewegen können.</a:t>
+                      </a:r>
+                      <a:endParaRPr lang="de-AT" sz="1400" b="1" i="0" u="none" strike="noStrike" dirty="0">
+                        <a:solidFill>
+                          <a:srgbClr val="000000"/>
+                        </a:solidFill>
+                        <a:effectLst/>
+                        <a:latin typeface="Calibri"/>
+                      </a:endParaRPr>
+                    </a:p>
+                  </a:txBody>
+                  <a:tcPr marL="9525" marR="9525" marT="9525" marB="0" anchor="ctr"/>
+                </a:tc>
+                <a:tc>
+                  <a:txBody>
+                    <a:bodyPr/>
+                    <a:lstStyle/>
+                    <a:p>
+                      <a:pPr algn="ctr"/>
+                      <a:endParaRPr lang="de-AT" sz="1400" b="1" dirty="0"/>
+                    </a:p>
+                  </a:txBody>
+                  <a:tcPr anchor="ctr"/>
+                </a:tc>
+                <a:tc>
+                  <a:txBody>
+                    <a:bodyPr/>
+                    <a:lstStyle/>
+                    <a:p>
+                      <a:pPr algn="ctr"/>
+                      <a:r>
+                        <a:rPr lang="de-AT" sz="1400" dirty="0" smtClean="0"/>
+                        <a:t>8</a:t>
+                      </a:r>
+                      <a:endParaRPr lang="de-AT" sz="1400" b="1" dirty="0"/>
+                    </a:p>
+                  </a:txBody>
+                  <a:tcPr anchor="ctr"/>
+                </a:tc>
+              </a:tr>
+              <a:tr h="635248">
+                <a:tc>
+                  <a:txBody>
+                    <a:bodyPr/>
+                    <a:lstStyle/>
+                    <a:p>
+                      <a:pPr algn="l" fontAlgn="b"/>
+                      <a:r>
+                        <a:rPr lang="de-AT" sz="1400" u="none" strike="noStrike" dirty="0">
+                          <a:effectLst/>
+                        </a:rPr>
+                        <a:t>Als User sollen mir die Regeln klar ersichtlich sein.</a:t>
+                      </a:r>
+                      <a:endParaRPr lang="de-AT" sz="1400" b="1" i="0" u="none" strike="noStrike" dirty="0">
+                        <a:solidFill>
+                          <a:srgbClr val="000000"/>
+                        </a:solidFill>
+                        <a:effectLst/>
+                        <a:latin typeface="Calibri"/>
+                      </a:endParaRPr>
+                    </a:p>
+                  </a:txBody>
+                  <a:tcPr marL="9525" marR="9525" marT="9525" marB="0" anchor="ctr"/>
+                </a:tc>
+                <a:tc>
+                  <a:txBody>
+                    <a:bodyPr/>
+                    <a:lstStyle/>
+                    <a:p>
+                      <a:pPr algn="ctr"/>
+                      <a:r>
+                        <a:rPr lang="de-AT" sz="1400" dirty="0" smtClean="0"/>
+                        <a:t>1</a:t>
+                      </a:r>
+                      <a:endParaRPr lang="de-AT" sz="1400" b="1" dirty="0"/>
+                    </a:p>
+                  </a:txBody>
+                  <a:tcPr anchor="ctr"/>
+                </a:tc>
+                <a:tc>
+                  <a:txBody>
+                    <a:bodyPr/>
+                    <a:lstStyle/>
+                    <a:p>
+                      <a:pPr algn="ctr"/>
+                      <a:endParaRPr lang="de-AT" sz="1400" b="1" dirty="0"/>
+                    </a:p>
+                  </a:txBody>
+                  <a:tcPr anchor="ctr"/>
+                </a:tc>
+              </a:tr>
+              <a:tr h="635248">
+                <a:tc>
+                  <a:txBody>
+                    <a:bodyPr/>
+                    <a:lstStyle/>
+                    <a:p>
+                      <a:pPr algn="l" fontAlgn="b"/>
+                      <a:r>
+                        <a:rPr lang="de-AT" sz="1400" u="none" strike="noStrike" dirty="0">
+                          <a:effectLst/>
+                        </a:rPr>
+                        <a:t>Als User möchte ich ein interaktives Spielbrett.</a:t>
+                      </a:r>
+                      <a:endParaRPr lang="de-AT" sz="1400" b="1" i="0" u="none" strike="noStrike" dirty="0">
+                        <a:solidFill>
+                          <a:srgbClr val="000000"/>
+                        </a:solidFill>
+                        <a:effectLst/>
+                        <a:latin typeface="Calibri"/>
+                      </a:endParaRPr>
+                    </a:p>
+                  </a:txBody>
+                  <a:tcPr marL="9525" marR="9525" marT="9525" marB="0" anchor="ctr"/>
+                </a:tc>
+                <a:tc>
+                  <a:txBody>
+                    <a:bodyPr/>
+                    <a:lstStyle/>
+                    <a:p>
+                      <a:pPr algn="ctr"/>
+                      <a:r>
+                        <a:rPr lang="de-AT" sz="1400" dirty="0" smtClean="0"/>
+                        <a:t>5</a:t>
+                      </a:r>
+                      <a:endParaRPr lang="de-AT" sz="1400" b="1" dirty="0"/>
+                    </a:p>
+                  </a:txBody>
+                  <a:tcPr anchor="ctr"/>
+                </a:tc>
+                <a:tc>
+                  <a:txBody>
+                    <a:bodyPr/>
+                    <a:lstStyle/>
+                    <a:p>
+                      <a:pPr algn="ctr"/>
+                      <a:endParaRPr lang="de-AT" sz="1400" b="1" dirty="0"/>
+                    </a:p>
+                  </a:txBody>
+                  <a:tcPr anchor="ctr"/>
+                </a:tc>
+              </a:tr>
+            </a:tbl>
+          </a:graphicData>
+        </a:graphic>
+      </p:graphicFrame>
+    </p:spTree>
+    <p:extLst>
+      <p:ext uri="{BB962C8B-B14F-4D97-AF65-F5344CB8AC3E}">
+        <p14:creationId xmlns:p14="http://schemas.microsoft.com/office/powerpoint/2010/main" val="2862729411"/>
+      </p:ext>
+    </p:extLst>
+  </p:cSld>
+  <p:clrMapOvr>
+    <a:masterClrMapping/>
+  </p:clrMapOvr>
+</p:sld>
+</file>
+
+<file path=ppt/slides/slide4.xml><?xml version="1.0" encoding="utf-8"?>
+<p:sld xmlns:a="http://schemas.openxmlformats.org/drawingml/2006/main" xmlns:r="http://schemas.openxmlformats.org/officeDocument/2006/relationships" xmlns:p="http://schemas.openxmlformats.org/presentationml/2006/main">
+  <p:cSld>
+    <p:spTree>
+      <p:nvGrpSpPr>
+        <p:cNvPr id="1" name=""/>
+        <p:cNvGrpSpPr/>
+        <p:nvPr/>
+      </p:nvGrpSpPr>
+      <p:grpSpPr>
+        <a:xfrm>
+          <a:off x="0" y="0"/>
+          <a:ext cx="0" cy="0"/>
+          <a:chOff x="0" y="0"/>
+          <a:chExt cx="0" cy="0"/>
+        </a:xfrm>
+      </p:grpSpPr>
+      <p:sp>
+        <p:nvSpPr>
+          <p:cNvPr id="2" name="Titel 1"/>
+          <p:cNvSpPr>
+            <a:spLocks noGrp="1"/>
+          </p:cNvSpPr>
+          <p:nvPr>
+            <p:ph type="title"/>
+          </p:nvPr>
+        </p:nvSpPr>
+        <p:spPr/>
+        <p:txBody>
+          <a:bodyPr/>
+          <a:lstStyle/>
+          <a:p>
+            <a:r>
+              <a:rPr lang="de-AT" dirty="0" smtClean="0"/>
+              <a:t>Framework</a:t>
+            </a:r>
+            <a:endParaRPr lang="de-AT" dirty="0"/>
+          </a:p>
+        </p:txBody>
+      </p:sp>
+      <p:sp>
+        <p:nvSpPr>
+          <p:cNvPr id="3" name="Inhaltsplatzhalter 2"/>
+          <p:cNvSpPr>
+            <a:spLocks noGrp="1"/>
+          </p:cNvSpPr>
+          <p:nvPr>
+            <p:ph idx="1"/>
+          </p:nvPr>
+        </p:nvSpPr>
+        <p:spPr/>
+        <p:txBody>
+          <a:bodyPr/>
+          <a:lstStyle/>
+          <a:p>
+            <a:r>
+              <a:rPr lang="de-AT" dirty="0" err="1" smtClean="0"/>
+              <a:t>Libgdx</a:t>
+            </a:r>
+            <a:endParaRPr lang="de-AT" dirty="0"/>
+          </a:p>
+        </p:txBody>
+      </p:sp>
+      <p:pic>
+        <p:nvPicPr>
+          <p:cNvPr id="1027" name="Picture 3"/>
+          <p:cNvPicPr>
+            <a:picLocks noChangeAspect="1" noChangeArrowheads="1"/>
+          </p:cNvPicPr>
+          <p:nvPr/>
+        </p:nvPicPr>
+        <p:blipFill>
+          <a:blip r:embed="rId2">
+            <a:extLst>
+              <a:ext uri="{28A0092B-C50C-407E-A947-70E740481C1C}">
+                <a14:useLocalDpi xmlns:a14="http://schemas.microsoft.com/office/drawing/2010/main" val="0"/>
+              </a:ext>
+            </a:extLst>
+          </a:blip>
+          <a:srcRect/>
+          <a:stretch>
+            <a:fillRect/>
+          </a:stretch>
+        </p:blipFill>
+        <p:spPr bwMode="auto">
+          <a:xfrm>
+            <a:off x="4211960" y="3933056"/>
+            <a:ext cx="4255724" cy="2127862"/>
+          </a:xfrm>
+          <a:prstGeom prst="rect">
+            <a:avLst/>
+          </a:prstGeom>
+          <a:noFill/>
+          <a:ln>
+            <a:noFill/>
+          </a:ln>
+          <a:effectLst/>
+          <a:extLst>
+            <a:ext uri="{909E8E84-426E-40DD-AFC4-6F175D3DCCD1}">
+              <a14:hiddenFill xmlns:a14="http://schemas.microsoft.com/office/drawing/2010/main">
+                <a:solidFill>
+                  <a:schemeClr val="accent1"/>
+                </a:solidFill>
+              </a14:hiddenFill>
+            </a:ext>
+            <a:ext uri="{91240B29-F687-4F45-9708-019B960494DF}">
+              <a14:hiddenLine xmlns:a14="http://schemas.microsoft.com/office/drawing/2010/main" w="9525">
+                <a:solidFill>
+                  <a:schemeClr val="tx1"/>
+                </a:solidFill>
+                <a:miter lim="800000"/>
+                <a:headEnd/>
+                <a:tailEnd/>
+              </a14:hiddenLine>
+            </a:ext>
+            <a:ext uri="{AF507438-7753-43E0-B8FC-AC1667EBCBE1}">
+              <a14:hiddenEffects xmlns:a14="http://schemas.microsoft.com/office/drawing/2010/main">
+                <a:effectLst>
+                  <a:outerShdw dist="35921" dir="2700000" algn="ctr" rotWithShape="0">
+                    <a:schemeClr val="bg2"/>
+                  </a:outerShdw>
+                </a:effectLst>
+              </a14:hiddenEffects>
+            </a:ext>
+          </a:extLst>
+        </p:spPr>
+      </p:pic>
+    </p:spTree>
+    <p:extLst>
+      <p:ext uri="{BB962C8B-B14F-4D97-AF65-F5344CB8AC3E}">
+        <p14:creationId xmlns:p14="http://schemas.microsoft.com/office/powerpoint/2010/main" val="387507566"/>
+      </p:ext>
+    </p:extLst>
+  </p:cSld>
+  <p:clrMapOvr>
+    <a:masterClrMapping/>
+  </p:clrMapOvr>
+</p:sld>
+</file>
+
+<file path=ppt/slides/slide5.xml><?xml version="1.0" encoding="utf-8"?>
 <p:sld xmlns:a="http://schemas.openxmlformats.org/drawingml/2006/main" xmlns:r="http://schemas.openxmlformats.org/officeDocument/2006/relationships" xmlns:p="http://schemas.openxmlformats.org/presentationml/2006/main">
   <p:cSld>
     <p:spTree>
